--- a/Lễ Truyền Tin.pptx
+++ b/Lễ Truyền Tin.pptx
@@ -134,7 +134,7 @@
   </p:defaultTextStyle>
   <p:extLst>
     <p:ext uri="{EFAFB233-063F-42B5-8137-9DF3F51BA10A}">
-      <p15:sldGuideLst xmlns:p15="http://schemas.microsoft.com/office/powerpoint/2012/main">
+      <p15:sldGuideLst xmlns="" xmlns:p15="http://schemas.microsoft.com/office/powerpoint/2012/main">
         <p15:guide id="1" orient="horz" pos="2160">
           <p15:clr>
             <a:srgbClr val="A4A3A4"/>
@@ -234,7 +234,7 @@
             <a:fld id="{5C25985F-86E8-4AA6-9352-571FAE95264D}" type="datetimeFigureOut">
               <a:rPr lang="vi-VN" smtClean="0"/>
               <a:pPr/>
-              <a:t>24/03/2021</a:t>
+              <a:t>25/03/2021</a:t>
             </a:fld>
             <a:endParaRPr lang="vi-VN"/>
           </a:p>
@@ -720,7 +720,7 @@
             <a:fld id="{0569F2D7-2394-463B-99AA-3447397976B2}" type="datetimeFigureOut">
               <a:rPr lang="vi-VN" smtClean="0"/>
               <a:pPr/>
-              <a:t>24/03/2021</a:t>
+              <a:t>25/03/2021</a:t>
             </a:fld>
             <a:endParaRPr lang="vi-VN"/>
           </a:p>
@@ -892,7 +892,7 @@
             <a:fld id="{0569F2D7-2394-463B-99AA-3447397976B2}" type="datetimeFigureOut">
               <a:rPr lang="vi-VN" smtClean="0"/>
               <a:pPr/>
-              <a:t>24/03/2021</a:t>
+              <a:t>25/03/2021</a:t>
             </a:fld>
             <a:endParaRPr lang="vi-VN"/>
           </a:p>
@@ -1074,7 +1074,7 @@
             <a:fld id="{0569F2D7-2394-463B-99AA-3447397976B2}" type="datetimeFigureOut">
               <a:rPr lang="vi-VN" smtClean="0"/>
               <a:pPr/>
-              <a:t>24/03/2021</a:t>
+              <a:t>25/03/2021</a:t>
             </a:fld>
             <a:endParaRPr lang="vi-VN"/>
           </a:p>
@@ -1246,7 +1246,7 @@
             <a:fld id="{0569F2D7-2394-463B-99AA-3447397976B2}" type="datetimeFigureOut">
               <a:rPr lang="vi-VN" smtClean="0"/>
               <a:pPr/>
-              <a:t>24/03/2021</a:t>
+              <a:t>25/03/2021</a:t>
             </a:fld>
             <a:endParaRPr lang="vi-VN"/>
           </a:p>
@@ -1492,7 +1492,7 @@
             <a:fld id="{0569F2D7-2394-463B-99AA-3447397976B2}" type="datetimeFigureOut">
               <a:rPr lang="vi-VN" smtClean="0"/>
               <a:pPr/>
-              <a:t>24/03/2021</a:t>
+              <a:t>25/03/2021</a:t>
             </a:fld>
             <a:endParaRPr lang="vi-VN"/>
           </a:p>
@@ -1726,7 +1726,7 @@
             <a:fld id="{0569F2D7-2394-463B-99AA-3447397976B2}" type="datetimeFigureOut">
               <a:rPr lang="vi-VN" smtClean="0"/>
               <a:pPr/>
-              <a:t>24/03/2021</a:t>
+              <a:t>25/03/2021</a:t>
             </a:fld>
             <a:endParaRPr lang="vi-VN"/>
           </a:p>
@@ -2095,7 +2095,7 @@
             <a:fld id="{0569F2D7-2394-463B-99AA-3447397976B2}" type="datetimeFigureOut">
               <a:rPr lang="vi-VN" smtClean="0"/>
               <a:pPr/>
-              <a:t>24/03/2021</a:t>
+              <a:t>25/03/2021</a:t>
             </a:fld>
             <a:endParaRPr lang="vi-VN"/>
           </a:p>
@@ -2215,7 +2215,7 @@
             <a:fld id="{0569F2D7-2394-463B-99AA-3447397976B2}" type="datetimeFigureOut">
               <a:rPr lang="vi-VN" smtClean="0"/>
               <a:pPr/>
-              <a:t>24/03/2021</a:t>
+              <a:t>25/03/2021</a:t>
             </a:fld>
             <a:endParaRPr lang="vi-VN"/>
           </a:p>
@@ -2312,7 +2312,7 @@
             <a:fld id="{0569F2D7-2394-463B-99AA-3447397976B2}" type="datetimeFigureOut">
               <a:rPr lang="vi-VN" smtClean="0"/>
               <a:pPr/>
-              <a:t>24/03/2021</a:t>
+              <a:t>25/03/2021</a:t>
             </a:fld>
             <a:endParaRPr lang="vi-VN"/>
           </a:p>
@@ -2591,7 +2591,7 @@
             <a:fld id="{0569F2D7-2394-463B-99AA-3447397976B2}" type="datetimeFigureOut">
               <a:rPr lang="vi-VN" smtClean="0"/>
               <a:pPr/>
-              <a:t>24/03/2021</a:t>
+              <a:t>25/03/2021</a:t>
             </a:fld>
             <a:endParaRPr lang="vi-VN"/>
           </a:p>
@@ -2850,7 +2850,7 @@
             <a:fld id="{0569F2D7-2394-463B-99AA-3447397976B2}" type="datetimeFigureOut">
               <a:rPr lang="vi-VN" smtClean="0"/>
               <a:pPr/>
-              <a:t>24/03/2021</a:t>
+              <a:t>25/03/2021</a:t>
             </a:fld>
             <a:endParaRPr lang="vi-VN"/>
           </a:p>
@@ -3065,7 +3065,7 @@
             <a:fld id="{0569F2D7-2394-463B-99AA-3447397976B2}" type="datetimeFigureOut">
               <a:rPr lang="vi-VN" smtClean="0"/>
               <a:pPr/>
-              <a:t>24/03/2021</a:t>
+              <a:t>25/03/2021</a:t>
             </a:fld>
             <a:endParaRPr lang="vi-VN"/>
           </a:p>
@@ -3569,6 +3569,13 @@
     <a:masterClrMapping/>
   </p:clrMapOvr>
   <p:transition/>
+  <p:timing>
+    <p:tnLst>
+      <p:par>
+        <p:cTn id="1" dur="indefinite" restart="never" nodeType="tmRoot"/>
+      </p:par>
+    </p:tnLst>
+  </p:timing>
 </p:sld>
 </file>
 
@@ -4138,6 +4145,13 @@
     <a:masterClrMapping/>
   </p:clrMapOvr>
   <p:transition/>
+  <p:timing>
+    <p:tnLst>
+      <p:par>
+        <p:cTn id="1" dur="indefinite" restart="never" nodeType="tmRoot"/>
+      </p:par>
+    </p:tnLst>
+  </p:timing>
 </p:sld>
 </file>
 
@@ -4487,6 +4501,13 @@
     <a:masterClrMapping/>
   </p:clrMapOvr>
   <p:transition/>
+  <p:timing>
+    <p:tnLst>
+      <p:par>
+        <p:cTn id="1" dur="indefinite" restart="never" nodeType="tmRoot"/>
+      </p:par>
+    </p:tnLst>
+  </p:timing>
 </p:sld>
 </file>
 
@@ -4648,32 +4669,25 @@
               <a:t> </a:t>
             </a:r>
             <a:r>
-              <a:rPr lang="en-US" sz="5400" b="1" dirty="0" err="1">
+              <a:rPr lang="en-US" sz="5400" b="1" err="1">
                 <a:latin typeface="Times New Roman" panose="02020603050405020304" pitchFamily="18" charset="0"/>
                 <a:cs typeface="Times New Roman" panose="02020603050405020304" pitchFamily="18" charset="0"/>
               </a:rPr>
               <a:t>cư</a:t>
             </a:r>
             <a:r>
-              <a:rPr lang="en-US" sz="5400" b="1" dirty="0">
+              <a:rPr lang="en-US" sz="5400" b="1">
                 <a:latin typeface="Times New Roman" panose="02020603050405020304" pitchFamily="18" charset="0"/>
                 <a:cs typeface="Times New Roman" panose="02020603050405020304" pitchFamily="18" charset="0"/>
               </a:rPr>
               <a:t> </a:t>
             </a:r>
             <a:r>
-              <a:rPr lang="en-US" sz="5400" b="1" dirty="0" err="1">
+              <a:rPr lang="en-US" sz="5400" b="1" smtClean="0">
                 <a:latin typeface="Times New Roman" panose="02020603050405020304" pitchFamily="18" charset="0"/>
                 <a:cs typeface="Times New Roman" panose="02020603050405020304" pitchFamily="18" charset="0"/>
               </a:rPr>
-              <a:t>ngụ</a:t>
-            </a:r>
-            <a:r>
-              <a:rPr lang="en-US" sz="5400" b="1" dirty="0">
-                <a:latin typeface="Times New Roman" panose="02020603050405020304" pitchFamily="18" charset="0"/>
-                <a:cs typeface="Times New Roman" panose="02020603050405020304" pitchFamily="18" charset="0"/>
-              </a:rPr>
-              <a:t> </a:t>
+              <a:t>ngự </a:t>
             </a:r>
             <a:r>
               <a:rPr lang="en-US" sz="5400" b="1" dirty="0" err="1">
@@ -4861,6 +4875,13 @@
     <a:masterClrMapping/>
   </p:clrMapOvr>
   <p:transition/>
+  <p:timing>
+    <p:tnLst>
+      <p:par>
+        <p:cTn id="1" dur="indefinite" restart="never" nodeType="tmRoot"/>
+      </p:par>
+    </p:tnLst>
+  </p:timing>
 </p:sld>
 </file>
 
@@ -5265,6 +5286,13 @@
     <a:masterClrMapping/>
   </p:clrMapOvr>
   <p:transition/>
+  <p:timing>
+    <p:tnLst>
+      <p:par>
+        <p:cTn id="1" dur="indefinite" restart="never" nodeType="tmRoot"/>
+      </p:par>
+    </p:tnLst>
+  </p:timing>
 </p:sld>
 </file>
 
@@ -5886,6 +5914,13 @@
     <a:masterClrMapping/>
   </p:clrMapOvr>
   <p:transition/>
+  <p:timing>
+    <p:tnLst>
+      <p:par>
+        <p:cTn id="1" dur="indefinite" restart="never" nodeType="tmRoot"/>
+      </p:par>
+    </p:tnLst>
+  </p:timing>
 </p:sld>
 </file>
 
@@ -6486,6 +6521,13 @@
     <a:masterClrMapping/>
   </p:clrMapOvr>
   <p:transition/>
+  <p:timing>
+    <p:tnLst>
+      <p:par>
+        <p:cTn id="1" dur="indefinite" restart="never" nodeType="tmRoot"/>
+      </p:par>
+    </p:tnLst>
+  </p:timing>
 </p:sld>
 </file>
 
@@ -6584,6 +6626,13 @@
           <a:lstStyle/>
           <a:p>
             <a:pPr algn="just"/>
+            <a:r>
+              <a:rPr lang="en-US" sz="5400" b="1" smtClean="0">
+                <a:latin typeface="Times New Roman" panose="02020603050405020304" pitchFamily="18" charset="0"/>
+                <a:cs typeface="Times New Roman" panose="02020603050405020304" pitchFamily="18" charset="0"/>
+              </a:rPr>
+              <a:t>Này đây trinh nữ sẽ thụ thai và sinh hạ con trai, đặ tên là Emmanuel.</a:t>
+            </a:r>
             <a:endParaRPr lang="vi-VN" sz="5400" b="1" dirty="0">
               <a:latin typeface="Times New Roman" panose="02020603050405020304" pitchFamily="18" charset="0"/>
               <a:cs typeface="Times New Roman" panose="02020603050405020304" pitchFamily="18" charset="0"/>
@@ -6602,6 +6651,13 @@
     <a:masterClrMapping/>
   </p:clrMapOvr>
   <p:transition/>
+  <p:timing>
+    <p:tnLst>
+      <p:par>
+        <p:cTn id="1" dur="indefinite" restart="never" nodeType="tmRoot"/>
+      </p:par>
+    </p:tnLst>
+  </p:timing>
 </p:sld>
 </file>
 
@@ -7248,6 +7304,13 @@
     <a:masterClrMapping/>
   </p:clrMapOvr>
   <p:transition/>
+  <p:timing>
+    <p:tnLst>
+      <p:par>
+        <p:cTn id="1" dur="indefinite" restart="never" nodeType="tmRoot"/>
+      </p:par>
+    </p:tnLst>
+  </p:timing>
 </p:sld>
 </file>
 
@@ -8197,6 +8260,13 @@
     <a:masterClrMapping/>
   </p:clrMapOvr>
   <p:transition/>
+  <p:timing>
+    <p:tnLst>
+      <p:par>
+        <p:cTn id="1" dur="indefinite" restart="never" nodeType="tmRoot"/>
+      </p:par>
+    </p:tnLst>
+  </p:timing>
 </p:sld>
 </file>
 
@@ -8843,6 +8913,13 @@
     <a:masterClrMapping/>
   </p:clrMapOvr>
   <p:transition/>
+  <p:timing>
+    <p:tnLst>
+      <p:par>
+        <p:cTn id="1" dur="indefinite" restart="never" nodeType="tmRoot"/>
+      </p:par>
+    </p:tnLst>
+  </p:timing>
 </p:sld>
 </file>
 
@@ -8961,6 +9038,13 @@
     <a:masterClrMapping/>
   </p:clrMapOvr>
   <p:transition/>
+  <p:timing>
+    <p:tnLst>
+      <p:par>
+        <p:cTn id="1" dur="indefinite" restart="never" nodeType="tmRoot"/>
+      </p:par>
+    </p:tnLst>
+  </p:timing>
 </p:sld>
 </file>
 
@@ -13125,6 +13209,13 @@
     <a:masterClrMapping/>
   </p:clrMapOvr>
   <p:transition/>
+  <p:timing>
+    <p:tnLst>
+      <p:par>
+        <p:cTn id="1" dur="indefinite" restart="never" nodeType="tmRoot"/>
+      </p:par>
+    </p:tnLst>
+  </p:timing>
 </p:sld>
 </file>
 
@@ -13243,6 +13334,13 @@
     <a:masterClrMapping/>
   </p:clrMapOvr>
   <p:transition/>
+  <p:timing>
+    <p:tnLst>
+      <p:par>
+        <p:cTn id="1" dur="indefinite" restart="never" nodeType="tmRoot"/>
+      </p:par>
+    </p:tnLst>
+  </p:timing>
 </p:sld>
 </file>
 
@@ -13375,6 +13473,13 @@
     <a:masterClrMapping/>
   </p:clrMapOvr>
   <p:transition/>
+  <p:timing>
+    <p:tnLst>
+      <p:par>
+        <p:cTn id="1" dur="indefinite" restart="never" nodeType="tmRoot"/>
+      </p:par>
+    </p:tnLst>
+  </p:timing>
 </p:sld>
 </file>
 
@@ -13504,6 +13609,13 @@
     <a:masterClrMapping/>
   </p:clrMapOvr>
   <p:transition/>
+  <p:timing>
+    <p:tnLst>
+      <p:par>
+        <p:cTn id="1" dur="indefinite" restart="never" nodeType="tmRoot"/>
+      </p:par>
+    </p:tnLst>
+  </p:timing>
 </p:sld>
 </file>
 
@@ -13529,7 +13641,7 @@
           <p:cNvPr id="2" name="Title 1">
             <a:extLst>
               <a:ext uri="{FF2B5EF4-FFF2-40B4-BE49-F238E27FC236}">
-                <a16:creationId xmlns:a16="http://schemas.microsoft.com/office/drawing/2014/main" id="{E15707EB-D7C8-4315-861E-0C0D881BA228}"/>
+                <a16:creationId xmlns="" xmlns:a16="http://schemas.microsoft.com/office/drawing/2014/main" id="{E15707EB-D7C8-4315-861E-0C0D881BA228}"/>
               </a:ext>
             </a:extLst>
           </p:cNvPr>
@@ -13554,7 +13666,7 @@
           <p:cNvPr id="3" name="Content Placeholder 2">
             <a:extLst>
               <a:ext uri="{FF2B5EF4-FFF2-40B4-BE49-F238E27FC236}">
-                <a16:creationId xmlns:a16="http://schemas.microsoft.com/office/drawing/2014/main" id="{580A1A79-EAAF-4BC4-8937-5CA2ACF0C6C3}"/>
+                <a16:creationId xmlns="" xmlns:a16="http://schemas.microsoft.com/office/drawing/2014/main" id="{580A1A79-EAAF-4BC4-8937-5CA2ACF0C6C3}"/>
               </a:ext>
             </a:extLst>
           </p:cNvPr>
@@ -13584,6 +13696,13 @@
   <p:clrMapOvr>
     <a:masterClrMapping/>
   </p:clrMapOvr>
+  <p:timing>
+    <p:tnLst>
+      <p:par>
+        <p:cTn id="1" dur="indefinite" restart="never" nodeType="tmRoot"/>
+      </p:par>
+    </p:tnLst>
+  </p:timing>
 </p:sld>
 </file>
 
@@ -14153,6 +14272,13 @@
     <a:masterClrMapping/>
   </p:clrMapOvr>
   <p:transition/>
+  <p:timing>
+    <p:tnLst>
+      <p:par>
+        <p:cTn id="1" dur="indefinite" restart="never" nodeType="tmRoot"/>
+      </p:par>
+    </p:tnLst>
+  </p:timing>
 </p:sld>
 </file>
 
@@ -14867,6 +14993,13 @@
     <a:masterClrMapping/>
   </p:clrMapOvr>
   <p:transition/>
+  <p:timing>
+    <p:tnLst>
+      <p:par>
+        <p:cTn id="1" dur="indefinite" restart="never" nodeType="tmRoot"/>
+      </p:par>
+    </p:tnLst>
+  </p:timing>
 </p:sld>
 </file>
 
@@ -14875,7 +15008,7 @@
   <a:themeElements>
     <a:clrScheme name="Office Theme">
       <a:dk1>
-        <a:sysClr val="windowText" lastClr="000000"/>
+        <a:sysClr val="windowText" lastClr="1F1F1F"/>
       </a:dk1>
       <a:lt1>
         <a:sysClr val="window" lastClr="FFFFFF"/>
@@ -15125,7 +15258,7 @@
   <a:extraClrSchemeLst/>
   <a:extLst>
     <a:ext uri="{05A4C25C-085E-4340-85A3-A5531E510DB2}">
-      <thm15:themeFamily xmlns:thm15="http://schemas.microsoft.com/office/thememl/2012/main" name="Office Theme" id="{62F939B6-93AF-4DB8-9C6B-D6C7DFDC589F}" vid="{4A3C46E8-61CC-4603-A589-7422A47A8E4A}"/>
+      <thm15:themeFamily xmlns="" xmlns:thm15="http://schemas.microsoft.com/office/thememl/2012/main" name="Office Theme" id="{62F939B6-93AF-4DB8-9C6B-D6C7DFDC589F}" vid="{4A3C46E8-61CC-4603-A589-7422A47A8E4A}"/>
     </a:ext>
   </a:extLst>
 </a:theme>
@@ -15136,7 +15269,7 @@
   <a:themeElements>
     <a:clrScheme name="Office">
       <a:dk1>
-        <a:sysClr val="windowText" lastClr="000000"/>
+        <a:sysClr val="windowText" lastClr="1F1F1F"/>
       </a:dk1>
       <a:lt1>
         <a:sysClr val="window" lastClr="FFFFFF"/>
@@ -15386,7 +15519,7 @@
   <a:extraClrSchemeLst/>
   <a:extLst>
     <a:ext uri="{05A4C25C-085E-4340-85A3-A5531E510DB2}">
-      <thm15:themeFamily xmlns:thm15="http://schemas.microsoft.com/office/thememl/2012/main" name="Office Theme" id="{62F939B6-93AF-4DB8-9C6B-D6C7DFDC589F}" vid="{4A3C46E8-61CC-4603-A589-7422A47A8E4A}"/>
+      <thm15:themeFamily xmlns="" xmlns:thm15="http://schemas.microsoft.com/office/thememl/2012/main" name="Office Theme" id="{62F939B6-93AF-4DB8-9C6B-D6C7DFDC589F}" vid="{4A3C46E8-61CC-4603-A589-7422A47A8E4A}"/>
     </a:ext>
   </a:extLst>
 </a:theme>
